--- a/docs/Backup_Generator_Project.pptx
+++ b/docs/Backup_Generator_Project.pptx
@@ -11,8 +11,8 @@
     <p:sldId id="256" r:id="rId2"/>
     <p:sldId id="257" r:id="rId3"/>
     <p:sldId id="258" r:id="rId4"/>
-    <p:sldId id="260" r:id="rId5"/>
-    <p:sldId id="259" r:id="rId6"/>
+    <p:sldId id="259" r:id="rId5"/>
+    <p:sldId id="260" r:id="rId6"/>
     <p:sldId id="264" r:id="rId7"/>
     <p:sldId id="267" r:id="rId8"/>
     <p:sldId id="268" r:id="rId9"/>
@@ -3905,7 +3905,7 @@
         <a:p>
           <a:r>
             <a:rPr lang="en-US" sz="2000" dirty="0"/>
-            <a:t>Leverage satellite-based nighttime light observations and outage records.</a:t>
+            <a:t>Use satellite-based nighttime light observations and outage records.</a:t>
           </a:r>
         </a:p>
       </dgm:t>
@@ -5543,7 +5543,7 @@
           </a:pPr>
           <a:r>
             <a:rPr lang="en-US" sz="2000" kern="1200" dirty="0"/>
-            <a:t>Leverage satellite-based nighttime light observations and outage records.</a:t>
+            <a:t>Use satellite-based nighttime light observations and outage records.</a:t>
           </a:r>
         </a:p>
       </dsp:txBody>
@@ -11751,7 +11751,7 @@
           <a:p>
             <a:fld id="{85DB571E-4777-074C-9D19-66062E250334}" type="datetimeFigureOut">
               <a:rPr kumimoji="1" lang="zh-CN" altLang="en-US" smtClean="0"/>
-              <a:t>2026/1/28</a:t>
+              <a:t>2026/1/29</a:t>
             </a:fld>
             <a:endParaRPr kumimoji="1" lang="zh-CN" altLang="en-US"/>
           </a:p>
@@ -12083,7 +12083,7 @@
           <a:p>
             <a:fld id="{8498AEBB-9273-8C44-B2C2-765F1008319D}" type="slidenum">
               <a:rPr kumimoji="1" lang="zh-CN" altLang="en-US" smtClean="0"/>
-              <a:t>5</a:t>
+              <a:t>4</a:t>
             </a:fld>
             <a:endParaRPr kumimoji="1" lang="zh-CN" altLang="en-US"/>
           </a:p>
@@ -12641,7 +12641,7 @@
           <a:p>
             <a:fld id="{5BCAD085-E8A6-8845-BD4E-CB4CCA059FC4}" type="datetimeFigureOut">
               <a:rPr lang="en-US" smtClean="0"/>
-              <a:t>1/28/26</a:t>
+              <a:t>1/29/26</a:t>
             </a:fld>
             <a:endParaRPr lang="en-US"/>
           </a:p>
@@ -12809,7 +12809,7 @@
           <a:p>
             <a:fld id="{5BCAD085-E8A6-8845-BD4E-CB4CCA059FC4}" type="datetimeFigureOut">
               <a:rPr lang="en-US" smtClean="0"/>
-              <a:t>1/28/26</a:t>
+              <a:t>1/29/26</a:t>
             </a:fld>
             <a:endParaRPr lang="en-US"/>
           </a:p>
@@ -12987,7 +12987,7 @@
           <a:p>
             <a:fld id="{5BCAD085-E8A6-8845-BD4E-CB4CCA059FC4}" type="datetimeFigureOut">
               <a:rPr lang="en-US" smtClean="0"/>
-              <a:t>1/28/26</a:t>
+              <a:t>1/29/26</a:t>
             </a:fld>
             <a:endParaRPr lang="en-US"/>
           </a:p>
@@ -13190,7 +13190,7 @@
           <a:p>
             <a:fld id="{5BCAD085-E8A6-8845-BD4E-CB4CCA059FC4}" type="datetimeFigureOut">
               <a:rPr lang="en-US" smtClean="0"/>
-              <a:t>1/28/26</a:t>
+              <a:t>1/29/26</a:t>
             </a:fld>
             <a:endParaRPr lang="en-US"/>
           </a:p>
@@ -13435,7 +13435,7 @@
           <a:p>
             <a:fld id="{5BCAD085-E8A6-8845-BD4E-CB4CCA059FC4}" type="datetimeFigureOut">
               <a:rPr lang="en-US" smtClean="0"/>
-              <a:t>1/28/26</a:t>
+              <a:t>1/29/26</a:t>
             </a:fld>
             <a:endParaRPr lang="en-US"/>
           </a:p>
@@ -13720,7 +13720,7 @@
           <a:p>
             <a:fld id="{5BCAD085-E8A6-8845-BD4E-CB4CCA059FC4}" type="datetimeFigureOut">
               <a:rPr lang="en-US" smtClean="0"/>
-              <a:t>1/28/26</a:t>
+              <a:t>1/29/26</a:t>
             </a:fld>
             <a:endParaRPr lang="en-US"/>
           </a:p>
@@ -14139,7 +14139,7 @@
           <a:p>
             <a:fld id="{5BCAD085-E8A6-8845-BD4E-CB4CCA059FC4}" type="datetimeFigureOut">
               <a:rPr lang="en-US" smtClean="0"/>
-              <a:t>1/28/26</a:t>
+              <a:t>1/29/26</a:t>
             </a:fld>
             <a:endParaRPr lang="en-US"/>
           </a:p>
@@ -14256,7 +14256,7 @@
           <a:p>
             <a:fld id="{5BCAD085-E8A6-8845-BD4E-CB4CCA059FC4}" type="datetimeFigureOut">
               <a:rPr lang="en-US" smtClean="0"/>
-              <a:t>1/28/26</a:t>
+              <a:t>1/29/26</a:t>
             </a:fld>
             <a:endParaRPr lang="en-US"/>
           </a:p>
@@ -14351,7 +14351,7 @@
           <a:p>
             <a:fld id="{5BCAD085-E8A6-8845-BD4E-CB4CCA059FC4}" type="datetimeFigureOut">
               <a:rPr lang="en-US" smtClean="0"/>
-              <a:t>1/28/26</a:t>
+              <a:t>1/29/26</a:t>
             </a:fld>
             <a:endParaRPr lang="en-US"/>
           </a:p>
@@ -14626,7 +14626,7 @@
           <a:p>
             <a:fld id="{5BCAD085-E8A6-8845-BD4E-CB4CCA059FC4}" type="datetimeFigureOut">
               <a:rPr lang="en-US" smtClean="0"/>
-              <a:t>1/28/26</a:t>
+              <a:t>1/29/26</a:t>
             </a:fld>
             <a:endParaRPr lang="en-US"/>
           </a:p>
@@ -14878,7 +14878,7 @@
           <a:p>
             <a:fld id="{5BCAD085-E8A6-8845-BD4E-CB4CCA059FC4}" type="datetimeFigureOut">
               <a:rPr lang="en-US" smtClean="0"/>
-              <a:t>1/28/26</a:t>
+              <a:t>1/29/26</a:t>
             </a:fld>
             <a:endParaRPr lang="en-US"/>
           </a:p>
@@ -15089,7 +15089,7 @@
           <a:p>
             <a:fld id="{5BCAD085-E8A6-8845-BD4E-CB4CCA059FC4}" type="datetimeFigureOut">
               <a:rPr lang="en-US" smtClean="0"/>
-              <a:t>1/28/26</a:t>
+              <a:t>1/29/26</a:t>
             </a:fld>
             <a:endParaRPr lang="en-US"/>
           </a:p>
@@ -16884,7 +16884,7 @@
             <p:ph idx="1"/>
             <p:extLst>
               <p:ext uri="{D42A27DB-BD31-4B8C-83A1-F6EECF244321}">
-                <p14:modId xmlns:p14="http://schemas.microsoft.com/office/powerpoint/2010/main" val="1727574102"/>
+                <p14:modId xmlns:p14="http://schemas.microsoft.com/office/powerpoint/2010/main" val="609845516"/>
               </p:ext>
             </p:extLst>
           </p:nvPr>
@@ -16908,6 +16908,558 @@
 </file>
 
 <file path=ppt/slides/slide4.xml><?xml version="1.0" encoding="utf-8"?>
+<p:sld xmlns:a="http://schemas.openxmlformats.org/drawingml/2006/main" xmlns:r="http://schemas.openxmlformats.org/officeDocument/2006/relationships" xmlns:p="http://schemas.openxmlformats.org/presentationml/2006/main">
+  <p:cSld>
+    <p:bg>
+      <p:bgPr>
+        <a:solidFill>
+          <a:schemeClr val="bg1"/>
+        </a:solidFill>
+        <a:effectLst/>
+      </p:bgPr>
+    </p:bg>
+    <p:spTree>
+      <p:nvGrpSpPr>
+        <p:cNvPr id="1" name=""/>
+        <p:cNvGrpSpPr/>
+        <p:nvPr/>
+      </p:nvGrpSpPr>
+      <p:grpSpPr>
+        <a:xfrm>
+          <a:off x="0" y="0"/>
+          <a:ext cx="0" cy="0"/>
+          <a:chOff x="0" y="0"/>
+          <a:chExt cx="0" cy="0"/>
+        </a:xfrm>
+      </p:grpSpPr>
+      <p:sp useBgFill="1">
+        <p:nvSpPr>
+          <p:cNvPr id="22" name="Rectangle 21">
+            <a:extLst>
+              <a:ext uri="{FF2B5EF4-FFF2-40B4-BE49-F238E27FC236}">
+                <a16:creationId xmlns:a16="http://schemas.microsoft.com/office/drawing/2014/main" id="{2B97F24A-32CE-4C1C-A50D-3016B394DCFB}"/>
+              </a:ext>
+              <a:ext uri="{C183D7F6-B498-43B3-948B-1728B52AA6E4}">
+                <adec:decorative xmlns:adec="http://schemas.microsoft.com/office/drawing/2017/decorative" val="1"/>
+              </a:ext>
+            </a:extLst>
+          </p:cNvPr>
+          <p:cNvSpPr>
+            <a:spLocks noGrp="1" noRot="1" noChangeAspect="1" noMove="1" noResize="1" noEditPoints="1" noAdjustHandles="1" noChangeArrowheads="1" noChangeShapeType="1" noTextEdit="1"/>
+          </p:cNvSpPr>
+          <p:nvPr>
+            <p:extLst>
+              <p:ext uri="{386F3935-93C4-4BCD-93E2-E3B085C9AB24}">
+                <p16:designElem xmlns:p16="http://schemas.microsoft.com/office/powerpoint/2015/main" val="1"/>
+              </p:ext>
+            </p:extLst>
+          </p:nvPr>
+        </p:nvSpPr>
+        <p:spPr>
+          <a:xfrm>
+            <a:off x="0" y="0"/>
+            <a:ext cx="12188825" cy="6858000"/>
+          </a:xfrm>
+          <a:prstGeom prst="rect">
+            <a:avLst/>
+          </a:prstGeom>
+          <a:ln>
+            <a:noFill/>
+          </a:ln>
+        </p:spPr>
+        <p:style>
+          <a:lnRef idx="2">
+            <a:schemeClr val="accent1">
+              <a:shade val="50000"/>
+            </a:schemeClr>
+          </a:lnRef>
+          <a:fillRef idx="1">
+            <a:schemeClr val="accent1"/>
+          </a:fillRef>
+          <a:effectRef idx="0">
+            <a:schemeClr val="accent1"/>
+          </a:effectRef>
+          <a:fontRef idx="minor">
+            <a:schemeClr val="lt1"/>
+          </a:fontRef>
+        </p:style>
+        <p:txBody>
+          <a:bodyPr rtlCol="0" anchor="ctr"/>
+          <a:lstStyle/>
+          <a:p>
+            <a:pPr algn="ctr"/>
+            <a:endParaRPr lang="en-US"/>
+          </a:p>
+        </p:txBody>
+      </p:sp>
+      <p:sp>
+        <p:nvSpPr>
+          <p:cNvPr id="2" name="Title 1"/>
+          <p:cNvSpPr>
+            <a:spLocks noGrp="1"/>
+          </p:cNvSpPr>
+          <p:nvPr>
+            <p:ph type="title"/>
+          </p:nvPr>
+        </p:nvSpPr>
+        <p:spPr>
+          <a:xfrm>
+            <a:off x="630771" y="639520"/>
+            <a:ext cx="4656533" cy="1719072"/>
+          </a:xfrm>
+        </p:spPr>
+        <p:txBody>
+          <a:bodyPr anchor="b">
+            <a:normAutofit/>
+          </a:bodyPr>
+          <a:lstStyle/>
+          <a:p>
+            <a:pPr algn="l">
+              <a:defRPr>
+                <a:solidFill>
+                  <a:srgbClr val="203764"/>
+                </a:solidFill>
+              </a:defRPr>
+            </a:pPr>
+            <a:r>
+              <a:rPr lang="en" dirty="0"/>
+              <a:t>Resilience Curve Framework </a:t>
+            </a:r>
+          </a:p>
+        </p:txBody>
+      </p:sp>
+      <p:sp>
+        <p:nvSpPr>
+          <p:cNvPr id="24" name="sketch line">
+            <a:extLst>
+              <a:ext uri="{FF2B5EF4-FFF2-40B4-BE49-F238E27FC236}">
+                <a16:creationId xmlns:a16="http://schemas.microsoft.com/office/drawing/2014/main" id="{CD8B4F24-440B-49E9-B85D-733523DC064B}"/>
+              </a:ext>
+              <a:ext uri="{C183D7F6-B498-43B3-948B-1728B52AA6E4}">
+                <adec:decorative xmlns:adec="http://schemas.microsoft.com/office/drawing/2017/decorative" val="1"/>
+              </a:ext>
+            </a:extLst>
+          </p:cNvPr>
+          <p:cNvSpPr>
+            <a:spLocks noGrp="1" noRot="1" noChangeAspect="1" noMove="1" noResize="1" noEditPoints="1" noAdjustHandles="1" noChangeArrowheads="1" noChangeShapeType="1" noTextEdit="1"/>
+          </p:cNvSpPr>
+          <p:nvPr>
+            <p:extLst>
+              <p:ext uri="{386F3935-93C4-4BCD-93E2-E3B085C9AB24}">
+                <p16:designElem xmlns:p16="http://schemas.microsoft.com/office/powerpoint/2015/main" val="1"/>
+              </p:ext>
+            </p:extLst>
+          </p:nvPr>
+        </p:nvSpPr>
+        <p:spPr>
+          <a:xfrm>
+            <a:off x="643110" y="2573756"/>
+            <a:ext cx="3254247" cy="18288"/>
+          </a:xfrm>
+          <a:custGeom>
+            <a:avLst/>
+            <a:gdLst>
+              <a:gd name="csX0" fmla="*/ 0 w 3254247"/>
+              <a:gd name="csY0" fmla="*/ 0 h 18288"/>
+              <a:gd name="csX1" fmla="*/ 618307 w 3254247"/>
+              <a:gd name="csY1" fmla="*/ 0 h 18288"/>
+              <a:gd name="csX2" fmla="*/ 1269156 w 3254247"/>
+              <a:gd name="csY2" fmla="*/ 0 h 18288"/>
+              <a:gd name="csX3" fmla="*/ 1952548 w 3254247"/>
+              <a:gd name="csY3" fmla="*/ 0 h 18288"/>
+              <a:gd name="csX4" fmla="*/ 2635940 w 3254247"/>
+              <a:gd name="csY4" fmla="*/ 0 h 18288"/>
+              <a:gd name="csX5" fmla="*/ 3254247 w 3254247"/>
+              <a:gd name="csY5" fmla="*/ 0 h 18288"/>
+              <a:gd name="csX6" fmla="*/ 3254247 w 3254247"/>
+              <a:gd name="csY6" fmla="*/ 18288 h 18288"/>
+              <a:gd name="csX7" fmla="*/ 2538313 w 3254247"/>
+              <a:gd name="csY7" fmla="*/ 18288 h 18288"/>
+              <a:gd name="csX8" fmla="*/ 1822378 w 3254247"/>
+              <a:gd name="csY8" fmla="*/ 18288 h 18288"/>
+              <a:gd name="csX9" fmla="*/ 1171529 w 3254247"/>
+              <a:gd name="csY9" fmla="*/ 18288 h 18288"/>
+              <a:gd name="csX10" fmla="*/ 0 w 3254247"/>
+              <a:gd name="csY10" fmla="*/ 18288 h 18288"/>
+              <a:gd name="csX11" fmla="*/ 0 w 3254247"/>
+              <a:gd name="csY11" fmla="*/ 0 h 18288"/>
+            </a:gdLst>
+            <a:ahLst/>
+            <a:cxnLst>
+              <a:cxn ang="0">
+                <a:pos x="csX0" y="csY0"/>
+              </a:cxn>
+              <a:cxn ang="0">
+                <a:pos x="csX1" y="csY1"/>
+              </a:cxn>
+              <a:cxn ang="0">
+                <a:pos x="csX2" y="csY2"/>
+              </a:cxn>
+              <a:cxn ang="0">
+                <a:pos x="csX3" y="csY3"/>
+              </a:cxn>
+              <a:cxn ang="0">
+                <a:pos x="csX4" y="csY4"/>
+              </a:cxn>
+              <a:cxn ang="0">
+                <a:pos x="csX5" y="csY5"/>
+              </a:cxn>
+              <a:cxn ang="0">
+                <a:pos x="csX6" y="csY6"/>
+              </a:cxn>
+              <a:cxn ang="0">
+                <a:pos x="csX7" y="csY7"/>
+              </a:cxn>
+              <a:cxn ang="0">
+                <a:pos x="csX8" y="csY8"/>
+              </a:cxn>
+              <a:cxn ang="0">
+                <a:pos x="csX9" y="csY9"/>
+              </a:cxn>
+              <a:cxn ang="0">
+                <a:pos x="csX10" y="csY10"/>
+              </a:cxn>
+              <a:cxn ang="0">
+                <a:pos x="csX11" y="csY11"/>
+              </a:cxn>
+            </a:cxnLst>
+            <a:rect l="l" t="t" r="r" b="b"/>
+            <a:pathLst>
+              <a:path w="3254247" h="18288" fill="none" extrusionOk="0">
+                <a:moveTo>
+                  <a:pt x="0" y="0"/>
+                </a:moveTo>
+                <a:cubicBezTo>
+                  <a:pt x="144450" y="-12392"/>
+                  <a:pt x="427337" y="305"/>
+                  <a:pt x="618307" y="0"/>
+                </a:cubicBezTo>
+                <a:cubicBezTo>
+                  <a:pt x="809277" y="-305"/>
+                  <a:pt x="1078885" y="8814"/>
+                  <a:pt x="1269156" y="0"/>
+                </a:cubicBezTo>
+                <a:cubicBezTo>
+                  <a:pt x="1459427" y="-8814"/>
+                  <a:pt x="1722292" y="-25341"/>
+                  <a:pt x="1952548" y="0"/>
+                </a:cubicBezTo>
+                <a:cubicBezTo>
+                  <a:pt x="2182804" y="25341"/>
+                  <a:pt x="2398437" y="-22277"/>
+                  <a:pt x="2635940" y="0"/>
+                </a:cubicBezTo>
+                <a:cubicBezTo>
+                  <a:pt x="2873443" y="22277"/>
+                  <a:pt x="3033770" y="159"/>
+                  <a:pt x="3254247" y="0"/>
+                </a:cubicBezTo>
+                <a:cubicBezTo>
+                  <a:pt x="3253538" y="8157"/>
+                  <a:pt x="3253834" y="12125"/>
+                  <a:pt x="3254247" y="18288"/>
+                </a:cubicBezTo>
+                <a:cubicBezTo>
+                  <a:pt x="2959973" y="-3940"/>
+                  <a:pt x="2715651" y="17499"/>
+                  <a:pt x="2538313" y="18288"/>
+                </a:cubicBezTo>
+                <a:cubicBezTo>
+                  <a:pt x="2360975" y="19077"/>
+                  <a:pt x="2071193" y="10564"/>
+                  <a:pt x="1822378" y="18288"/>
+                </a:cubicBezTo>
+                <a:cubicBezTo>
+                  <a:pt x="1573564" y="26012"/>
+                  <a:pt x="1460056" y="11360"/>
+                  <a:pt x="1171529" y="18288"/>
+                </a:cubicBezTo>
+                <a:cubicBezTo>
+                  <a:pt x="883002" y="25216"/>
+                  <a:pt x="556569" y="57254"/>
+                  <a:pt x="0" y="18288"/>
+                </a:cubicBezTo>
+                <a:cubicBezTo>
+                  <a:pt x="-46" y="12483"/>
+                  <a:pt x="-203" y="6491"/>
+                  <a:pt x="0" y="0"/>
+                </a:cubicBezTo>
+                <a:close/>
+              </a:path>
+              <a:path w="3254247" h="18288" stroke="0" extrusionOk="0">
+                <a:moveTo>
+                  <a:pt x="0" y="0"/>
+                </a:moveTo>
+                <a:cubicBezTo>
+                  <a:pt x="245716" y="-28411"/>
+                  <a:pt x="413361" y="22670"/>
+                  <a:pt x="618307" y="0"/>
+                </a:cubicBezTo>
+                <a:cubicBezTo>
+                  <a:pt x="823253" y="-22670"/>
+                  <a:pt x="907327" y="17544"/>
+                  <a:pt x="1171529" y="0"/>
+                </a:cubicBezTo>
+                <a:cubicBezTo>
+                  <a:pt x="1435731" y="-17544"/>
+                  <a:pt x="1714065" y="-34404"/>
+                  <a:pt x="1887463" y="0"/>
+                </a:cubicBezTo>
+                <a:cubicBezTo>
+                  <a:pt x="2060861" y="34404"/>
+                  <a:pt x="2348517" y="24017"/>
+                  <a:pt x="2505770" y="0"/>
+                </a:cubicBezTo>
+                <a:cubicBezTo>
+                  <a:pt x="2663023" y="-24017"/>
+                  <a:pt x="3030962" y="-27792"/>
+                  <a:pt x="3254247" y="0"/>
+                </a:cubicBezTo>
+                <a:cubicBezTo>
+                  <a:pt x="3253983" y="4493"/>
+                  <a:pt x="3254631" y="9472"/>
+                  <a:pt x="3254247" y="18288"/>
+                </a:cubicBezTo>
+                <a:cubicBezTo>
+                  <a:pt x="2934372" y="-7513"/>
+                  <a:pt x="2749175" y="38681"/>
+                  <a:pt x="2603398" y="18288"/>
+                </a:cubicBezTo>
+                <a:cubicBezTo>
+                  <a:pt x="2457621" y="-2105"/>
+                  <a:pt x="2184707" y="10633"/>
+                  <a:pt x="1887463" y="18288"/>
+                </a:cubicBezTo>
+                <a:cubicBezTo>
+                  <a:pt x="1590219" y="25943"/>
+                  <a:pt x="1494607" y="28003"/>
+                  <a:pt x="1334241" y="18288"/>
+                </a:cubicBezTo>
+                <a:cubicBezTo>
+                  <a:pt x="1173875" y="8573"/>
+                  <a:pt x="962016" y="17971"/>
+                  <a:pt x="683392" y="18288"/>
+                </a:cubicBezTo>
+                <a:cubicBezTo>
+                  <a:pt x="404768" y="18605"/>
+                  <a:pt x="256873" y="5009"/>
+                  <a:pt x="0" y="18288"/>
+                </a:cubicBezTo>
+                <a:cubicBezTo>
+                  <a:pt x="843" y="9577"/>
+                  <a:pt x="371" y="6900"/>
+                  <a:pt x="0" y="0"/>
+                </a:cubicBezTo>
+                <a:close/>
+              </a:path>
+            </a:pathLst>
+          </a:custGeom>
+          <a:solidFill>
+            <a:schemeClr val="accent2"/>
+          </a:solidFill>
+          <a:ln w="38100" cap="rnd">
+            <a:solidFill>
+              <a:schemeClr val="accent2"/>
+            </a:solidFill>
+            <a:round/>
+            <a:extLst>
+              <a:ext uri="{C807C97D-BFC1-408E-A445-0C87EB9F89A2}">
+                <ask:lineSketchStyleProps xmlns:ask="http://schemas.microsoft.com/office/drawing/2018/sketchyshapes" sd="1219033472">
+                  <a:prstGeom prst="rect">
+                    <a:avLst/>
+                  </a:prstGeom>
+                  <ask:type>
+                    <ask:lineSketchFreehand/>
+                  </ask:type>
+                </ask:lineSketchStyleProps>
+              </a:ext>
+            </a:extLst>
+          </a:ln>
+        </p:spPr>
+        <p:style>
+          <a:lnRef idx="2">
+            <a:schemeClr val="accent1">
+              <a:shade val="50000"/>
+            </a:schemeClr>
+          </a:lnRef>
+          <a:fillRef idx="1">
+            <a:schemeClr val="accent1"/>
+          </a:fillRef>
+          <a:effectRef idx="0">
+            <a:schemeClr val="accent1"/>
+          </a:effectRef>
+          <a:fontRef idx="minor">
+            <a:schemeClr val="lt1"/>
+          </a:fontRef>
+        </p:style>
+        <p:txBody>
+          <a:bodyPr rtlCol="0" anchor="ctr"/>
+          <a:lstStyle/>
+          <a:p>
+            <a:pPr algn="ctr"/>
+            <a:endParaRPr lang="en-US"/>
+          </a:p>
+        </p:txBody>
+      </p:sp>
+      <p:sp>
+        <p:nvSpPr>
+          <p:cNvPr id="3" name="Content Placeholder 2"/>
+          <p:cNvSpPr>
+            <a:spLocks noGrp="1"/>
+          </p:cNvSpPr>
+          <p:nvPr>
+            <p:ph idx="1"/>
+          </p:nvPr>
+        </p:nvSpPr>
+        <p:spPr>
+          <a:xfrm>
+            <a:off x="630771" y="3224982"/>
+            <a:ext cx="11327549" cy="3410712"/>
+          </a:xfrm>
+        </p:spPr>
+        <p:txBody>
+          <a:bodyPr anchor="t">
+            <a:normAutofit fontScale="92500"/>
+          </a:bodyPr>
+          <a:lstStyle/>
+          <a:p>
+            <a:pPr marL="0" indent="0" algn="just">
+              <a:lnSpc>
+                <a:spcPct val="120000"/>
+              </a:lnSpc>
+              <a:buNone/>
+              <a:defRPr sz="2000">
+                <a:solidFill>
+                  <a:srgbClr val="323232"/>
+                </a:solidFill>
+              </a:defRPr>
+            </a:pPr>
+            <a:r>
+              <a:rPr lang="en" sz="2000" dirty="0"/>
+              <a:t>	Before, during, and after a disaster occurs, the performance of a system is represented by the </a:t>
+            </a:r>
+            <a:r>
+              <a:rPr lang="en" sz="2000" b="1" dirty="0"/>
+              <a:t>resilience curve. </a:t>
+            </a:r>
+            <a:r>
+              <a:rPr lang="en" sz="2000" dirty="0"/>
+              <a:t>At the time of disruption, the system’s performance experiences a sudden drop. As time progresses, the performance gradually increases, leading to either partial or full recovery, depending on the recovery efforts</a:t>
+            </a:r>
+            <a:r>
+              <a:rPr lang="en-US" sz="2000" dirty="0"/>
+              <a:t>.</a:t>
+            </a:r>
+          </a:p>
+          <a:p>
+            <a:pPr marL="0" indent="0" algn="just">
+              <a:lnSpc>
+                <a:spcPct val="120000"/>
+              </a:lnSpc>
+              <a:buNone/>
+              <a:defRPr sz="2000">
+                <a:solidFill>
+                  <a:srgbClr val="323232"/>
+                </a:solidFill>
+              </a:defRPr>
+            </a:pPr>
+            <a:r>
+              <a:rPr lang="en" altLang="zh-CN" sz="2000" dirty="0"/>
+              <a:t>	During power outages, </a:t>
+            </a:r>
+            <a:r>
+              <a:rPr lang="en" altLang="zh-CN" sz="2000" b="1" dirty="0"/>
+              <a:t>the nighttime light curves of facilities equipped with backup generators show significant differences compared to other areas. </a:t>
+            </a:r>
+            <a:r>
+              <a:rPr lang="en" altLang="zh-CN" sz="2000" dirty="0"/>
+              <a:t>We </a:t>
+            </a:r>
+            <a:r>
+              <a:rPr lang="en-US" altLang="zh-CN" sz="2000" dirty="0"/>
+              <a:t>use</a:t>
+            </a:r>
+            <a:r>
+              <a:rPr lang="en" altLang="zh-CN" sz="2000" dirty="0"/>
+              <a:t> this contrast to identify the presence of backup generators. </a:t>
+            </a:r>
+          </a:p>
+          <a:p>
+            <a:pPr marL="0" indent="0" algn="just">
+              <a:lnSpc>
+                <a:spcPct val="120000"/>
+              </a:lnSpc>
+              <a:buNone/>
+              <a:defRPr sz="2000">
+                <a:solidFill>
+                  <a:srgbClr val="323232"/>
+                </a:solidFill>
+              </a:defRPr>
+            </a:pPr>
+            <a:r>
+              <a:rPr lang="en" altLang="zh-CN" sz="2000" dirty="0"/>
+              <a:t>	</a:t>
+            </a:r>
+            <a:r>
+              <a:rPr lang="en" altLang="zh-CN" sz="2000" b="1" dirty="0"/>
+              <a:t>Because precise generator locations are unavailable and only postcode-level information exists, we combine this with the fact that critical public facilities generally have backup generators to generate labels for our model.</a:t>
+            </a:r>
+          </a:p>
+          <a:p>
+            <a:pPr marL="0" indent="0" algn="just">
+              <a:lnSpc>
+                <a:spcPct val="120000"/>
+              </a:lnSpc>
+              <a:buNone/>
+              <a:defRPr sz="2000">
+                <a:solidFill>
+                  <a:srgbClr val="323232"/>
+                </a:solidFill>
+              </a:defRPr>
+            </a:pPr>
+            <a:endParaRPr lang="en" sz="2000" dirty="0"/>
+          </a:p>
+        </p:txBody>
+      </p:sp>
+      <p:pic>
+        <p:nvPicPr>
+          <p:cNvPr id="6" name="图片 5" descr="图示, 折线图&#10;&#10;AI 生成的内容可能不正确。">
+            <a:extLst>
+              <a:ext uri="{FF2B5EF4-FFF2-40B4-BE49-F238E27FC236}">
+                <a16:creationId xmlns:a16="http://schemas.microsoft.com/office/drawing/2014/main" id="{04FFFC4F-A002-941E-9DC8-47170762F793}"/>
+              </a:ext>
+            </a:extLst>
+          </p:cNvPr>
+          <p:cNvPicPr>
+            <a:picLocks noChangeAspect="1"/>
+          </p:cNvPicPr>
+          <p:nvPr/>
+        </p:nvPicPr>
+        <p:blipFill>
+          <a:blip r:embed="rId3"/>
+          <a:stretch>
+            <a:fillRect/>
+          </a:stretch>
+        </p:blipFill>
+        <p:spPr>
+          <a:xfrm>
+            <a:off x="4841668" y="103596"/>
+            <a:ext cx="6402846" cy="3121386"/>
+          </a:xfrm>
+          <a:prstGeom prst="rect">
+            <a:avLst/>
+          </a:prstGeom>
+        </p:spPr>
+      </p:pic>
+    </p:spTree>
+  </p:cSld>
+  <p:clrMapOvr>
+    <a:masterClrMapping/>
+  </p:clrMapOvr>
+</p:sld>
+</file>
+
+<file path=ppt/slides/slide5.xml><?xml version="1.0" encoding="utf-8"?>
 <p:sld xmlns:a="http://schemas.openxmlformats.org/drawingml/2006/main" xmlns:r="http://schemas.openxmlformats.org/officeDocument/2006/relationships" xmlns:p="http://schemas.openxmlformats.org/presentationml/2006/main">
   <p:cSld>
     <p:bg>
@@ -17313,521 +17865,6 @@
 </p:sld>
 </file>
 
-<file path=ppt/slides/slide5.xml><?xml version="1.0" encoding="utf-8"?>
-<p:sld xmlns:a="http://schemas.openxmlformats.org/drawingml/2006/main" xmlns:r="http://schemas.openxmlformats.org/officeDocument/2006/relationships" xmlns:p="http://schemas.openxmlformats.org/presentationml/2006/main">
-  <p:cSld>
-    <p:bg>
-      <p:bgPr>
-        <a:solidFill>
-          <a:schemeClr val="bg1"/>
-        </a:solidFill>
-        <a:effectLst/>
-      </p:bgPr>
-    </p:bg>
-    <p:spTree>
-      <p:nvGrpSpPr>
-        <p:cNvPr id="1" name=""/>
-        <p:cNvGrpSpPr/>
-        <p:nvPr/>
-      </p:nvGrpSpPr>
-      <p:grpSpPr>
-        <a:xfrm>
-          <a:off x="0" y="0"/>
-          <a:ext cx="0" cy="0"/>
-          <a:chOff x="0" y="0"/>
-          <a:chExt cx="0" cy="0"/>
-        </a:xfrm>
-      </p:grpSpPr>
-      <p:sp useBgFill="1">
-        <p:nvSpPr>
-          <p:cNvPr id="22" name="Rectangle 21">
-            <a:extLst>
-              <a:ext uri="{FF2B5EF4-FFF2-40B4-BE49-F238E27FC236}">
-                <a16:creationId xmlns:a16="http://schemas.microsoft.com/office/drawing/2014/main" id="{2B97F24A-32CE-4C1C-A50D-3016B394DCFB}"/>
-              </a:ext>
-              <a:ext uri="{C183D7F6-B498-43B3-948B-1728B52AA6E4}">
-                <adec:decorative xmlns:adec="http://schemas.microsoft.com/office/drawing/2017/decorative" val="1"/>
-              </a:ext>
-            </a:extLst>
-          </p:cNvPr>
-          <p:cNvSpPr>
-            <a:spLocks noGrp="1" noRot="1" noChangeAspect="1" noMove="1" noResize="1" noEditPoints="1" noAdjustHandles="1" noChangeArrowheads="1" noChangeShapeType="1" noTextEdit="1"/>
-          </p:cNvSpPr>
-          <p:nvPr>
-            <p:extLst>
-              <p:ext uri="{386F3935-93C4-4BCD-93E2-E3B085C9AB24}">
-                <p16:designElem xmlns:p16="http://schemas.microsoft.com/office/powerpoint/2015/main" val="1"/>
-              </p:ext>
-            </p:extLst>
-          </p:nvPr>
-        </p:nvSpPr>
-        <p:spPr>
-          <a:xfrm>
-            <a:off x="0" y="0"/>
-            <a:ext cx="12188825" cy="6858000"/>
-          </a:xfrm>
-          <a:prstGeom prst="rect">
-            <a:avLst/>
-          </a:prstGeom>
-          <a:ln>
-            <a:noFill/>
-          </a:ln>
-        </p:spPr>
-        <p:style>
-          <a:lnRef idx="2">
-            <a:schemeClr val="accent1">
-              <a:shade val="50000"/>
-            </a:schemeClr>
-          </a:lnRef>
-          <a:fillRef idx="1">
-            <a:schemeClr val="accent1"/>
-          </a:fillRef>
-          <a:effectRef idx="0">
-            <a:schemeClr val="accent1"/>
-          </a:effectRef>
-          <a:fontRef idx="minor">
-            <a:schemeClr val="lt1"/>
-          </a:fontRef>
-        </p:style>
-        <p:txBody>
-          <a:bodyPr rtlCol="0" anchor="ctr"/>
-          <a:lstStyle/>
-          <a:p>
-            <a:pPr algn="ctr"/>
-            <a:endParaRPr lang="en-US"/>
-          </a:p>
-        </p:txBody>
-      </p:sp>
-      <p:sp>
-        <p:nvSpPr>
-          <p:cNvPr id="2" name="Title 1"/>
-          <p:cNvSpPr>
-            <a:spLocks noGrp="1"/>
-          </p:cNvSpPr>
-          <p:nvPr>
-            <p:ph type="title"/>
-          </p:nvPr>
-        </p:nvSpPr>
-        <p:spPr>
-          <a:xfrm>
-            <a:off x="630771" y="639520"/>
-            <a:ext cx="3428107" cy="1719072"/>
-          </a:xfrm>
-        </p:spPr>
-        <p:txBody>
-          <a:bodyPr anchor="b">
-            <a:normAutofit/>
-          </a:bodyPr>
-          <a:lstStyle/>
-          <a:p>
-            <a:pPr>
-              <a:defRPr>
-                <a:solidFill>
-                  <a:srgbClr val="203764"/>
-                </a:solidFill>
-              </a:defRPr>
-            </a:pPr>
-            <a:r>
-              <a:rPr lang="en" sz="5300" dirty="0"/>
-              <a:t>Analytical Workflow</a:t>
-            </a:r>
-          </a:p>
-        </p:txBody>
-      </p:sp>
-      <p:sp>
-        <p:nvSpPr>
-          <p:cNvPr id="24" name="sketch line">
-            <a:extLst>
-              <a:ext uri="{FF2B5EF4-FFF2-40B4-BE49-F238E27FC236}">
-                <a16:creationId xmlns:a16="http://schemas.microsoft.com/office/drawing/2014/main" id="{CD8B4F24-440B-49E9-B85D-733523DC064B}"/>
-              </a:ext>
-              <a:ext uri="{C183D7F6-B498-43B3-948B-1728B52AA6E4}">
-                <adec:decorative xmlns:adec="http://schemas.microsoft.com/office/drawing/2017/decorative" val="1"/>
-              </a:ext>
-            </a:extLst>
-          </p:cNvPr>
-          <p:cNvSpPr>
-            <a:spLocks noGrp="1" noRot="1" noChangeAspect="1" noMove="1" noResize="1" noEditPoints="1" noAdjustHandles="1" noChangeArrowheads="1" noChangeShapeType="1" noTextEdit="1"/>
-          </p:cNvSpPr>
-          <p:nvPr>
-            <p:extLst>
-              <p:ext uri="{386F3935-93C4-4BCD-93E2-E3B085C9AB24}">
-                <p16:designElem xmlns:p16="http://schemas.microsoft.com/office/powerpoint/2015/main" val="1"/>
-              </p:ext>
-            </p:extLst>
-          </p:nvPr>
-        </p:nvSpPr>
-        <p:spPr>
-          <a:xfrm>
-            <a:off x="643110" y="2573756"/>
-            <a:ext cx="3254247" cy="18288"/>
-          </a:xfrm>
-          <a:custGeom>
-            <a:avLst/>
-            <a:gdLst>
-              <a:gd name="csX0" fmla="*/ 0 w 3254247"/>
-              <a:gd name="csY0" fmla="*/ 0 h 18288"/>
-              <a:gd name="csX1" fmla="*/ 618307 w 3254247"/>
-              <a:gd name="csY1" fmla="*/ 0 h 18288"/>
-              <a:gd name="csX2" fmla="*/ 1269156 w 3254247"/>
-              <a:gd name="csY2" fmla="*/ 0 h 18288"/>
-              <a:gd name="csX3" fmla="*/ 1952548 w 3254247"/>
-              <a:gd name="csY3" fmla="*/ 0 h 18288"/>
-              <a:gd name="csX4" fmla="*/ 2635940 w 3254247"/>
-              <a:gd name="csY4" fmla="*/ 0 h 18288"/>
-              <a:gd name="csX5" fmla="*/ 3254247 w 3254247"/>
-              <a:gd name="csY5" fmla="*/ 0 h 18288"/>
-              <a:gd name="csX6" fmla="*/ 3254247 w 3254247"/>
-              <a:gd name="csY6" fmla="*/ 18288 h 18288"/>
-              <a:gd name="csX7" fmla="*/ 2538313 w 3254247"/>
-              <a:gd name="csY7" fmla="*/ 18288 h 18288"/>
-              <a:gd name="csX8" fmla="*/ 1822378 w 3254247"/>
-              <a:gd name="csY8" fmla="*/ 18288 h 18288"/>
-              <a:gd name="csX9" fmla="*/ 1171529 w 3254247"/>
-              <a:gd name="csY9" fmla="*/ 18288 h 18288"/>
-              <a:gd name="csX10" fmla="*/ 0 w 3254247"/>
-              <a:gd name="csY10" fmla="*/ 18288 h 18288"/>
-              <a:gd name="csX11" fmla="*/ 0 w 3254247"/>
-              <a:gd name="csY11" fmla="*/ 0 h 18288"/>
-            </a:gdLst>
-            <a:ahLst/>
-            <a:cxnLst>
-              <a:cxn ang="0">
-                <a:pos x="csX0" y="csY0"/>
-              </a:cxn>
-              <a:cxn ang="0">
-                <a:pos x="csX1" y="csY1"/>
-              </a:cxn>
-              <a:cxn ang="0">
-                <a:pos x="csX2" y="csY2"/>
-              </a:cxn>
-              <a:cxn ang="0">
-                <a:pos x="csX3" y="csY3"/>
-              </a:cxn>
-              <a:cxn ang="0">
-                <a:pos x="csX4" y="csY4"/>
-              </a:cxn>
-              <a:cxn ang="0">
-                <a:pos x="csX5" y="csY5"/>
-              </a:cxn>
-              <a:cxn ang="0">
-                <a:pos x="csX6" y="csY6"/>
-              </a:cxn>
-              <a:cxn ang="0">
-                <a:pos x="csX7" y="csY7"/>
-              </a:cxn>
-              <a:cxn ang="0">
-                <a:pos x="csX8" y="csY8"/>
-              </a:cxn>
-              <a:cxn ang="0">
-                <a:pos x="csX9" y="csY9"/>
-              </a:cxn>
-              <a:cxn ang="0">
-                <a:pos x="csX10" y="csY10"/>
-              </a:cxn>
-              <a:cxn ang="0">
-                <a:pos x="csX11" y="csY11"/>
-              </a:cxn>
-            </a:cxnLst>
-            <a:rect l="l" t="t" r="r" b="b"/>
-            <a:pathLst>
-              <a:path w="3254247" h="18288" fill="none" extrusionOk="0">
-                <a:moveTo>
-                  <a:pt x="0" y="0"/>
-                </a:moveTo>
-                <a:cubicBezTo>
-                  <a:pt x="144450" y="-12392"/>
-                  <a:pt x="427337" y="305"/>
-                  <a:pt x="618307" y="0"/>
-                </a:cubicBezTo>
-                <a:cubicBezTo>
-                  <a:pt x="809277" y="-305"/>
-                  <a:pt x="1078885" y="8814"/>
-                  <a:pt x="1269156" y="0"/>
-                </a:cubicBezTo>
-                <a:cubicBezTo>
-                  <a:pt x="1459427" y="-8814"/>
-                  <a:pt x="1722292" y="-25341"/>
-                  <a:pt x="1952548" y="0"/>
-                </a:cubicBezTo>
-                <a:cubicBezTo>
-                  <a:pt x="2182804" y="25341"/>
-                  <a:pt x="2398437" y="-22277"/>
-                  <a:pt x="2635940" y="0"/>
-                </a:cubicBezTo>
-                <a:cubicBezTo>
-                  <a:pt x="2873443" y="22277"/>
-                  <a:pt x="3033770" y="159"/>
-                  <a:pt x="3254247" y="0"/>
-                </a:cubicBezTo>
-                <a:cubicBezTo>
-                  <a:pt x="3253538" y="8157"/>
-                  <a:pt x="3253834" y="12125"/>
-                  <a:pt x="3254247" y="18288"/>
-                </a:cubicBezTo>
-                <a:cubicBezTo>
-                  <a:pt x="2959973" y="-3940"/>
-                  <a:pt x="2715651" y="17499"/>
-                  <a:pt x="2538313" y="18288"/>
-                </a:cubicBezTo>
-                <a:cubicBezTo>
-                  <a:pt x="2360975" y="19077"/>
-                  <a:pt x="2071193" y="10564"/>
-                  <a:pt x="1822378" y="18288"/>
-                </a:cubicBezTo>
-                <a:cubicBezTo>
-                  <a:pt x="1573564" y="26012"/>
-                  <a:pt x="1460056" y="11360"/>
-                  <a:pt x="1171529" y="18288"/>
-                </a:cubicBezTo>
-                <a:cubicBezTo>
-                  <a:pt x="883002" y="25216"/>
-                  <a:pt x="556569" y="57254"/>
-                  <a:pt x="0" y="18288"/>
-                </a:cubicBezTo>
-                <a:cubicBezTo>
-                  <a:pt x="-46" y="12483"/>
-                  <a:pt x="-203" y="6491"/>
-                  <a:pt x="0" y="0"/>
-                </a:cubicBezTo>
-                <a:close/>
-              </a:path>
-              <a:path w="3254247" h="18288" stroke="0" extrusionOk="0">
-                <a:moveTo>
-                  <a:pt x="0" y="0"/>
-                </a:moveTo>
-                <a:cubicBezTo>
-                  <a:pt x="245716" y="-28411"/>
-                  <a:pt x="413361" y="22670"/>
-                  <a:pt x="618307" y="0"/>
-                </a:cubicBezTo>
-                <a:cubicBezTo>
-                  <a:pt x="823253" y="-22670"/>
-                  <a:pt x="907327" y="17544"/>
-                  <a:pt x="1171529" y="0"/>
-                </a:cubicBezTo>
-                <a:cubicBezTo>
-                  <a:pt x="1435731" y="-17544"/>
-                  <a:pt x="1714065" y="-34404"/>
-                  <a:pt x="1887463" y="0"/>
-                </a:cubicBezTo>
-                <a:cubicBezTo>
-                  <a:pt x="2060861" y="34404"/>
-                  <a:pt x="2348517" y="24017"/>
-                  <a:pt x="2505770" y="0"/>
-                </a:cubicBezTo>
-                <a:cubicBezTo>
-                  <a:pt x="2663023" y="-24017"/>
-                  <a:pt x="3030962" y="-27792"/>
-                  <a:pt x="3254247" y="0"/>
-                </a:cubicBezTo>
-                <a:cubicBezTo>
-                  <a:pt x="3253983" y="4493"/>
-                  <a:pt x="3254631" y="9472"/>
-                  <a:pt x="3254247" y="18288"/>
-                </a:cubicBezTo>
-                <a:cubicBezTo>
-                  <a:pt x="2934372" y="-7513"/>
-                  <a:pt x="2749175" y="38681"/>
-                  <a:pt x="2603398" y="18288"/>
-                </a:cubicBezTo>
-                <a:cubicBezTo>
-                  <a:pt x="2457621" y="-2105"/>
-                  <a:pt x="2184707" y="10633"/>
-                  <a:pt x="1887463" y="18288"/>
-                </a:cubicBezTo>
-                <a:cubicBezTo>
-                  <a:pt x="1590219" y="25943"/>
-                  <a:pt x="1494607" y="28003"/>
-                  <a:pt x="1334241" y="18288"/>
-                </a:cubicBezTo>
-                <a:cubicBezTo>
-                  <a:pt x="1173875" y="8573"/>
-                  <a:pt x="962016" y="17971"/>
-                  <a:pt x="683392" y="18288"/>
-                </a:cubicBezTo>
-                <a:cubicBezTo>
-                  <a:pt x="404768" y="18605"/>
-                  <a:pt x="256873" y="5009"/>
-                  <a:pt x="0" y="18288"/>
-                </a:cubicBezTo>
-                <a:cubicBezTo>
-                  <a:pt x="843" y="9577"/>
-                  <a:pt x="371" y="6900"/>
-                  <a:pt x="0" y="0"/>
-                </a:cubicBezTo>
-                <a:close/>
-              </a:path>
-            </a:pathLst>
-          </a:custGeom>
-          <a:solidFill>
-            <a:schemeClr val="accent2"/>
-          </a:solidFill>
-          <a:ln w="38100" cap="rnd">
-            <a:solidFill>
-              <a:schemeClr val="accent2"/>
-            </a:solidFill>
-            <a:round/>
-            <a:extLst>
-              <a:ext uri="{C807C97D-BFC1-408E-A445-0C87EB9F89A2}">
-                <ask:lineSketchStyleProps xmlns:ask="http://schemas.microsoft.com/office/drawing/2018/sketchyshapes" sd="1219033472">
-                  <a:prstGeom prst="rect">
-                    <a:avLst/>
-                  </a:prstGeom>
-                  <ask:type>
-                    <ask:lineSketchFreehand/>
-                  </ask:type>
-                </ask:lineSketchStyleProps>
-              </a:ext>
-            </a:extLst>
-          </a:ln>
-        </p:spPr>
-        <p:style>
-          <a:lnRef idx="2">
-            <a:schemeClr val="accent1">
-              <a:shade val="50000"/>
-            </a:schemeClr>
-          </a:lnRef>
-          <a:fillRef idx="1">
-            <a:schemeClr val="accent1"/>
-          </a:fillRef>
-          <a:effectRef idx="0">
-            <a:schemeClr val="accent1"/>
-          </a:effectRef>
-          <a:fontRef idx="minor">
-            <a:schemeClr val="lt1"/>
-          </a:fontRef>
-        </p:style>
-        <p:txBody>
-          <a:bodyPr rtlCol="0" anchor="ctr"/>
-          <a:lstStyle/>
-          <a:p>
-            <a:pPr algn="ctr"/>
-            <a:endParaRPr lang="en-US"/>
-          </a:p>
-        </p:txBody>
-      </p:sp>
-      <p:sp>
-        <p:nvSpPr>
-          <p:cNvPr id="3" name="Content Placeholder 2"/>
-          <p:cNvSpPr>
-            <a:spLocks noGrp="1"/>
-          </p:cNvSpPr>
-          <p:nvPr>
-            <p:ph idx="1"/>
-          </p:nvPr>
-        </p:nvSpPr>
-        <p:spPr>
-          <a:xfrm>
-            <a:off x="630770" y="2807768"/>
-            <a:ext cx="4339221" cy="3410712"/>
-          </a:xfrm>
-        </p:spPr>
-        <p:txBody>
-          <a:bodyPr anchor="t">
-            <a:normAutofit fontScale="92500"/>
-          </a:bodyPr>
-          <a:lstStyle/>
-          <a:p>
-            <a:pPr marL="0" indent="0" algn="just">
-              <a:lnSpc>
-                <a:spcPct val="120000"/>
-              </a:lnSpc>
-              <a:buNone/>
-              <a:defRPr sz="2000">
-                <a:solidFill>
-                  <a:srgbClr val="323232"/>
-                </a:solidFill>
-              </a:defRPr>
-            </a:pPr>
-            <a:r>
-              <a:rPr lang="en" sz="2000" dirty="0"/>
-              <a:t>Before, during, and after a disaster occurs, the performance of a system is represented by the </a:t>
-            </a:r>
-            <a:r>
-              <a:rPr lang="en" sz="2000" b="1" dirty="0"/>
-              <a:t>resilience curve. </a:t>
-            </a:r>
-          </a:p>
-          <a:p>
-            <a:pPr marL="0" indent="0" algn="just">
-              <a:lnSpc>
-                <a:spcPct val="120000"/>
-              </a:lnSpc>
-              <a:buNone/>
-              <a:defRPr sz="2000">
-                <a:solidFill>
-                  <a:srgbClr val="323232"/>
-                </a:solidFill>
-              </a:defRPr>
-            </a:pPr>
-            <a:r>
-              <a:rPr lang="en" sz="2000" dirty="0"/>
-              <a:t>At the time of disruption, the system’s performance experiences a sudden drop. </a:t>
-            </a:r>
-          </a:p>
-          <a:p>
-            <a:pPr marL="0" indent="0" algn="just">
-              <a:lnSpc>
-                <a:spcPct val="120000"/>
-              </a:lnSpc>
-              <a:buNone/>
-              <a:defRPr sz="2000">
-                <a:solidFill>
-                  <a:srgbClr val="323232"/>
-                </a:solidFill>
-              </a:defRPr>
-            </a:pPr>
-            <a:r>
-              <a:rPr lang="en" sz="2000" dirty="0"/>
-              <a:t>As time progresses, the performance gradually increases, leading to either partial or full recovery, depending on the recovery efforts</a:t>
-            </a:r>
-            <a:r>
-              <a:rPr lang="en-US" sz="2000" dirty="0"/>
-              <a:t>.</a:t>
-            </a:r>
-            <a:endParaRPr lang="en" sz="2000" dirty="0"/>
-          </a:p>
-        </p:txBody>
-      </p:sp>
-      <p:pic>
-        <p:nvPicPr>
-          <p:cNvPr id="6" name="图片 5" descr="图示, 折线图&#10;&#10;AI 生成的内容可能不正确。">
-            <a:extLst>
-              <a:ext uri="{FF2B5EF4-FFF2-40B4-BE49-F238E27FC236}">
-                <a16:creationId xmlns:a16="http://schemas.microsoft.com/office/drawing/2014/main" id="{04FFFC4F-A002-941E-9DC8-47170762F793}"/>
-              </a:ext>
-            </a:extLst>
-          </p:cNvPr>
-          <p:cNvPicPr>
-            <a:picLocks noChangeAspect="1"/>
-          </p:cNvPicPr>
-          <p:nvPr/>
-        </p:nvPicPr>
-        <p:blipFill>
-          <a:blip r:embed="rId3"/>
-          <a:stretch>
-            <a:fillRect/>
-          </a:stretch>
-        </p:blipFill>
-        <p:spPr>
-          <a:xfrm>
-            <a:off x="5128446" y="1912910"/>
-            <a:ext cx="6901923" cy="3364687"/>
-          </a:xfrm>
-          <a:prstGeom prst="rect">
-            <a:avLst/>
-          </a:prstGeom>
-        </p:spPr>
-      </p:pic>
-    </p:spTree>
-  </p:cSld>
-  <p:clrMapOvr>
-    <a:masterClrMapping/>
-  </p:clrMapOvr>
-</p:sld>
-</file>
-
 <file path=ppt/slides/slide6.xml><?xml version="1.0" encoding="utf-8"?>
 <p:sld xmlns:a="http://schemas.openxmlformats.org/drawingml/2006/main" xmlns:r="http://schemas.openxmlformats.org/officeDocument/2006/relationships" xmlns:p="http://schemas.openxmlformats.org/presentationml/2006/main">
   <p:cSld>
@@ -18017,11 +18054,11 @@
             </a:pPr>
             <a:r>
               <a:rPr lang="en" sz="1600" b="1" dirty="0"/>
-              <a:t>Step 1: </a:t>
+              <a:t>Step 1: Screen outage events</a:t>
             </a:r>
             <a:r>
               <a:rPr lang="en" sz="1600" dirty="0"/>
-              <a:t>Screen outage events from EAGLE-I records based on severity (&gt;10,000 affected customers) and duration (&gt;</a:t>
+              <a:t> from EAGLE-I records based on severity (&gt;10,000 affected customers) and duration (&gt;</a:t>
             </a:r>
             <a:r>
               <a:rPr lang="en-US" altLang="zh-CN" sz="1600" dirty="0"/>
@@ -18045,11 +18082,11 @@
             </a:pPr>
             <a:r>
               <a:rPr lang="en" sz="1600" b="1" dirty="0"/>
-              <a:t>Step 2: </a:t>
+              <a:t>Step 2: Define temporal windows:</a:t>
             </a:r>
             <a:r>
               <a:rPr lang="en" sz="1600" dirty="0"/>
-              <a:t>Define temporal windows: pre-outage baseline (</a:t>
+              <a:t> pre-outage baseline (</a:t>
             </a:r>
             <a:r>
               <a:rPr lang="en-US" altLang="zh-CN" sz="1600" dirty="0"/>
@@ -18081,11 +18118,11 @@
             </a:pPr>
             <a:r>
               <a:rPr lang="en" sz="1600" b="1" dirty="0"/>
-              <a:t>Step 3: </a:t>
+              <a:t>Step 3: Extract pixel-level NTL radiance</a:t>
             </a:r>
             <a:r>
               <a:rPr lang="en" sz="1600" dirty="0"/>
-              <a:t>Extract pixel-level NTL radiance from VIIRS VNP46A2, applying QA flags to exclude cloud-contaminated observations.</a:t>
+              <a:t> from VIIRS VNP46A2, applying QA flags to exclude cloud-contaminated observations.</a:t>
             </a:r>
           </a:p>
           <a:p>
@@ -18101,11 +18138,11 @@
             </a:pPr>
             <a:r>
               <a:rPr lang="en" sz="1600" b="1" dirty="0"/>
-              <a:t>Step 4: </a:t>
+              <a:t>Step 4: Extract NTL anomaly features</a:t>
             </a:r>
             <a:r>
               <a:rPr lang="en" sz="1600" dirty="0"/>
-              <a:t>Extract NTL anomaly features (intensity change, recovery rate, spatial patterns) for model input.</a:t>
+              <a:t> (intensity change, recovery rate, spatial patterns) for model input.</a:t>
             </a:r>
           </a:p>
           <a:p>
@@ -18121,11 +18158,11 @@
             </a:pPr>
             <a:r>
               <a:rPr lang="en" sz="1600" b="1" dirty="0"/>
-              <a:t>Step 5: </a:t>
+              <a:t>Step 5: Apply deep learning models</a:t>
             </a:r>
             <a:r>
               <a:rPr lang="en" sz="1600" dirty="0"/>
-              <a:t>Apply deep learning models to classify backup generator usage patterns based on NTL anomaly features.</a:t>
+              <a:t> to classify backup generator usage patterns based on NTL anomaly features.</a:t>
             </a:r>
           </a:p>
           <a:p>
@@ -18141,11 +18178,11 @@
             </a:pPr>
             <a:r>
               <a:rPr lang="en" sz="1600" b="1" dirty="0"/>
-              <a:t>Step 6: </a:t>
+              <a:t>Step 6: Validate</a:t>
             </a:r>
             <a:r>
               <a:rPr lang="en" sz="1600" dirty="0"/>
-              <a:t>Validate predictions against Air Permit generator records and critical facility POI data.</a:t>
+              <a:t> predictions against Air Permit generator records and critical facility POI data.</a:t>
             </a:r>
           </a:p>
         </p:txBody>
@@ -18472,8 +18509,38 @@
         </p:blipFill>
         <p:spPr>
           <a:xfrm>
-            <a:off x="7074123" y="918011"/>
+            <a:off x="7074124" y="140246"/>
             <a:ext cx="4272749" cy="5179089"/>
+          </a:xfrm>
+          <a:prstGeom prst="rect">
+            <a:avLst/>
+          </a:prstGeom>
+        </p:spPr>
+      </p:pic>
+      <p:pic>
+        <p:nvPicPr>
+          <p:cNvPr id="5" name="图片 4">
+            <a:extLst>
+              <a:ext uri="{FF2B5EF4-FFF2-40B4-BE49-F238E27FC236}">
+                <a16:creationId xmlns:a16="http://schemas.microsoft.com/office/drawing/2014/main" id="{72A9D513-82FB-D898-350D-5076EA0BE711}"/>
+              </a:ext>
+            </a:extLst>
+          </p:cNvPr>
+          <p:cNvPicPr>
+            <a:picLocks noChangeAspect="1"/>
+          </p:cNvPicPr>
+          <p:nvPr/>
+        </p:nvPicPr>
+        <p:blipFill>
+          <a:blip r:embed="rId4"/>
+          <a:stretch>
+            <a:fillRect/>
+          </a:stretch>
+        </p:blipFill>
+        <p:spPr>
+          <a:xfrm>
+            <a:off x="7311047" y="5292344"/>
+            <a:ext cx="4035826" cy="479973"/>
           </a:xfrm>
           <a:prstGeom prst="rect">
             <a:avLst/>
@@ -35009,7 +35076,84 @@
                 <a:ea typeface="Calibri" pitchFamily="34" charset="-122"/>
                 <a:cs typeface="Calibri" pitchFamily="34" charset="-120"/>
               </a:rPr>
-              <a:t>Buffer vs Non-Buffer NTL Change</a:t>
+              <a:t>Critical</a:t>
+            </a:r>
+            <a:r>
+              <a:rPr lang="zh-CN" altLang="en-US" sz="1866" b="1" dirty="0">
+                <a:solidFill>
+                  <a:srgbClr val="2B579A"/>
+                </a:solidFill>
+                <a:latin typeface="Calibri" pitchFamily="34" charset="0"/>
+                <a:ea typeface="Calibri" pitchFamily="34" charset="-122"/>
+                <a:cs typeface="Calibri" pitchFamily="34" charset="-120"/>
+              </a:rPr>
+              <a:t> </a:t>
+            </a:r>
+            <a:r>
+              <a:rPr lang="en-US" altLang="zh-CN" sz="1866" b="1" dirty="0">
+                <a:solidFill>
+                  <a:srgbClr val="2B579A"/>
+                </a:solidFill>
+                <a:latin typeface="Calibri" pitchFamily="34" charset="0"/>
+                <a:ea typeface="Calibri" pitchFamily="34" charset="-122"/>
+                <a:cs typeface="Calibri" pitchFamily="34" charset="-120"/>
+              </a:rPr>
+              <a:t>Facility</a:t>
+            </a:r>
+            <a:r>
+              <a:rPr lang="en-US" sz="1866" b="1" dirty="0">
+                <a:solidFill>
+                  <a:srgbClr val="2B579A"/>
+                </a:solidFill>
+                <a:latin typeface="Calibri" pitchFamily="34" charset="0"/>
+                <a:ea typeface="Calibri" pitchFamily="34" charset="-122"/>
+                <a:cs typeface="Calibri" pitchFamily="34" charset="-120"/>
+              </a:rPr>
+              <a:t> vs Non-</a:t>
+            </a:r>
+            <a:r>
+              <a:rPr lang="en-US" altLang="zh-CN" sz="1866" b="1" dirty="0">
+                <a:solidFill>
+                  <a:srgbClr val="2B579A"/>
+                </a:solidFill>
+                <a:latin typeface="Calibri" pitchFamily="34" charset="0"/>
+                <a:ea typeface="Calibri" pitchFamily="34" charset="-122"/>
+                <a:cs typeface="Calibri" pitchFamily="34" charset="-120"/>
+              </a:rPr>
+              <a:t> Critical</a:t>
+            </a:r>
+            <a:r>
+              <a:rPr lang="zh-CN" altLang="en-US" sz="1866" b="1" dirty="0">
+                <a:solidFill>
+                  <a:srgbClr val="2B579A"/>
+                </a:solidFill>
+                <a:latin typeface="Calibri" pitchFamily="34" charset="0"/>
+                <a:ea typeface="Calibri" pitchFamily="34" charset="-122"/>
+                <a:cs typeface="Calibri" pitchFamily="34" charset="-120"/>
+              </a:rPr>
+              <a:t> </a:t>
+            </a:r>
+            <a:r>
+              <a:rPr lang="en-US" altLang="zh-CN" sz="1866" b="1" dirty="0">
+                <a:solidFill>
+                  <a:srgbClr val="2B579A"/>
+                </a:solidFill>
+                <a:latin typeface="Calibri" pitchFamily="34" charset="0"/>
+                <a:ea typeface="Calibri" pitchFamily="34" charset="-122"/>
+                <a:cs typeface="Calibri" pitchFamily="34" charset="-120"/>
+              </a:rPr>
+              <a:t>Facility</a:t>
+            </a:r>
+            <a:r>
+              <a:rPr lang="en-US" sz="1866" b="1" dirty="0">
+                <a:solidFill>
+                  <a:srgbClr val="2B579A"/>
+                </a:solidFill>
+                <a:latin typeface="Calibri" pitchFamily="34" charset="0"/>
+                <a:ea typeface="Calibri" pitchFamily="34" charset="-122"/>
+                <a:cs typeface="Calibri" pitchFamily="34" charset="-120"/>
+              </a:rPr>
+              <a:t> NTL Change</a:t>
             </a:r>
             <a:endParaRPr lang="en-US" sz="1866" dirty="0"/>
           </a:p>
